--- a/Presentation Template - Task 1.pptx
+++ b/Presentation Template - Task 1.pptx
@@ -107,7 +107,7 @@
   </p:defaultTextStyle>
   <p:extLst>
     <p:ext uri="{EFAFB233-063F-42B5-8137-9DF3F51BA10A}">
-      <p15:sldGuideLst xmlns="" xmlns:p15="http://schemas.microsoft.com/office/powerpoint/2012/main"/>
+      <p15:sldGuideLst xmlns:p15="http://schemas.microsoft.com/office/powerpoint/2012/main" xmlns=""/>
     </p:ext>
   </p:extLst>
 </p:presentation>
@@ -289,7 +289,7 @@
             <a:fld id="{6670FE10-F406-47AF-8AE1-E9BA4C7E25F2}" type="datetimeFigureOut">
               <a:rPr lang="en-GB" smtClean="0"/>
               <a:pPr/>
-              <a:t>22/01/2023</a:t>
+              <a:t>23/01/2023</a:t>
             </a:fld>
             <a:endParaRPr lang="en-GB" dirty="0"/>
           </a:p>
@@ -352,7 +352,7 @@
           <p:cNvPr id="8" name="Footer Placeholder 4">
             <a:extLst>
               <a:ext uri="{FF2B5EF4-FFF2-40B4-BE49-F238E27FC236}">
-                <a16:creationId xmlns="" xmlns:a16="http://schemas.microsoft.com/office/drawing/2014/main" id="{34687BFD-2914-5915-09E8-574865A5731A}"/>
+                <a16:creationId xmlns:a16="http://schemas.microsoft.com/office/drawing/2014/main" xmlns="" id="{34687BFD-2914-5915-09E8-574865A5731A}"/>
               </a:ext>
             </a:extLst>
           </p:cNvPr>
@@ -596,7 +596,7 @@
             <a:fld id="{6670FE10-F406-47AF-8AE1-E9BA4C7E25F2}" type="datetimeFigureOut">
               <a:rPr lang="en-GB" smtClean="0"/>
               <a:pPr/>
-              <a:t>22/01/2023</a:t>
+              <a:t>23/01/2023</a:t>
             </a:fld>
             <a:endParaRPr lang="en-GB"/>
           </a:p>
@@ -773,7 +773,7 @@
             <a:fld id="{6670FE10-F406-47AF-8AE1-E9BA4C7E25F2}" type="datetimeFigureOut">
               <a:rPr lang="en-GB" smtClean="0"/>
               <a:pPr/>
-              <a:t>22/01/2023</a:t>
+              <a:t>23/01/2023</a:t>
             </a:fld>
             <a:endParaRPr lang="en-GB"/>
           </a:p>
@@ -940,7 +940,7 @@
             <a:fld id="{6670FE10-F406-47AF-8AE1-E9BA4C7E25F2}" type="datetimeFigureOut">
               <a:rPr lang="en-GB" smtClean="0"/>
               <a:pPr/>
-              <a:t>22/01/2023</a:t>
+              <a:t>23/01/2023</a:t>
             </a:fld>
             <a:endParaRPr lang="en-GB"/>
           </a:p>
@@ -1004,7 +1004,7 @@
           <p:cNvPr id="7" name="Footer Placeholder 4">
             <a:extLst>
               <a:ext uri="{FF2B5EF4-FFF2-40B4-BE49-F238E27FC236}">
-                <a16:creationId xmlns="" xmlns:a16="http://schemas.microsoft.com/office/drawing/2014/main" id="{844B232F-D5B6-DEFE-8440-A43739EF1CB4}"/>
+                <a16:creationId xmlns:a16="http://schemas.microsoft.com/office/drawing/2014/main" xmlns="" id="{844B232F-D5B6-DEFE-8440-A43739EF1CB4}"/>
               </a:ext>
             </a:extLst>
           </p:cNvPr>
@@ -1307,7 +1307,7 @@
             <a:fld id="{6670FE10-F406-47AF-8AE1-E9BA4C7E25F2}" type="datetimeFigureOut">
               <a:rPr lang="en-GB" smtClean="0"/>
               <a:pPr/>
-              <a:t>22/01/2023</a:t>
+              <a:t>23/01/2023</a:t>
             </a:fld>
             <a:endParaRPr lang="en-GB"/>
           </a:p>
@@ -1605,7 +1605,7 @@
             <a:fld id="{6670FE10-F406-47AF-8AE1-E9BA4C7E25F2}" type="datetimeFigureOut">
               <a:rPr lang="en-GB" smtClean="0"/>
               <a:pPr/>
-              <a:t>22/01/2023</a:t>
+              <a:t>23/01/2023</a:t>
             </a:fld>
             <a:endParaRPr lang="en-GB"/>
           </a:p>
@@ -1991,7 +1991,7 @@
             <a:fld id="{6670FE10-F406-47AF-8AE1-E9BA4C7E25F2}" type="datetimeFigureOut">
               <a:rPr lang="en-GB" smtClean="0"/>
               <a:pPr/>
-              <a:t>22/01/2023</a:t>
+              <a:t>23/01/2023</a:t>
             </a:fld>
             <a:endParaRPr lang="en-GB"/>
           </a:p>
@@ -2166,7 +2166,7 @@
             <a:fld id="{6670FE10-F406-47AF-8AE1-E9BA4C7E25F2}" type="datetimeFigureOut">
               <a:rPr lang="en-GB" smtClean="0"/>
               <a:pPr/>
-              <a:t>22/01/2023</a:t>
+              <a:t>23/01/2023</a:t>
             </a:fld>
             <a:endParaRPr lang="en-GB"/>
           </a:p>
@@ -2258,7 +2258,7 @@
             <a:fld id="{6670FE10-F406-47AF-8AE1-E9BA4C7E25F2}" type="datetimeFigureOut">
               <a:rPr lang="en-GB" smtClean="0"/>
               <a:pPr/>
-              <a:t>22/01/2023</a:t>
+              <a:t>23/01/2023</a:t>
             </a:fld>
             <a:endParaRPr lang="en-GB"/>
           </a:p>
@@ -2555,7 +2555,7 @@
             <a:fld id="{6670FE10-F406-47AF-8AE1-E9BA4C7E25F2}" type="datetimeFigureOut">
               <a:rPr lang="en-GB" smtClean="0"/>
               <a:pPr/>
-              <a:t>22/01/2023</a:t>
+              <a:t>23/01/2023</a:t>
             </a:fld>
             <a:endParaRPr lang="en-GB"/>
           </a:p>
@@ -2691,7 +2691,7 @@
             <a:fld id="{6670FE10-F406-47AF-8AE1-E9BA4C7E25F2}" type="datetimeFigureOut">
               <a:rPr lang="en-GB" smtClean="0"/>
               <a:pPr/>
-              <a:t>22/01/2023</a:t>
+              <a:t>23/01/2023</a:t>
             </a:fld>
             <a:endParaRPr lang="en-GB"/>
           </a:p>
@@ -2996,7 +2996,7 @@
             <a:fld id="{6670FE10-F406-47AF-8AE1-E9BA4C7E25F2}" type="datetimeFigureOut">
               <a:rPr lang="en-GB" smtClean="0"/>
               <a:pPr/>
-              <a:t>22/01/2023</a:t>
+              <a:t>23/01/2023</a:t>
             </a:fld>
             <a:endParaRPr lang="en-GB"/>
           </a:p>
@@ -3541,7 +3541,7 @@
           <p:cNvPr id="3" name="Subtitle 2">
             <a:extLst>
               <a:ext uri="{FF2B5EF4-FFF2-40B4-BE49-F238E27FC236}">
-                <a16:creationId xmlns="" xmlns:a16="http://schemas.microsoft.com/office/drawing/2014/main" id="{7730DC87-B7BC-1B7B-AB86-8B0F1FACBC23}"/>
+                <a16:creationId xmlns:a16="http://schemas.microsoft.com/office/drawing/2014/main" xmlns="" id="{7730DC87-B7BC-1B7B-AB86-8B0F1FACBC23}"/>
               </a:ext>
             </a:extLst>
           </p:cNvPr>
@@ -3552,50 +3552,48 @@
             <p:ph type="subTitle" idx="1"/>
           </p:nvPr>
         </p:nvSpPr>
-        <p:spPr/>
+        <p:spPr>
+          <a:xfrm>
+            <a:off x="508000" y="3179429"/>
+            <a:ext cx="11277600" cy="1621172"/>
+          </a:xfrm>
+        </p:spPr>
         <p:txBody>
           <a:bodyPr>
-            <a:normAutofit fontScale="47500" lnSpcReduction="20000"/>
+            <a:noAutofit/>
           </a:bodyPr>
           <a:lstStyle/>
           <a:p>
-            <a:r>
-              <a:rPr lang="en-GB" dirty="0" smtClean="0">
+            <a:pPr algn="ctr"/>
+            <a:r>
+              <a:rPr lang="en-GB" sz="1800" dirty="0" smtClean="0">
                 <a:latin typeface="Arial Black" pitchFamily="34" charset="0"/>
               </a:rPr>
-              <a:t>                                      </a:t>
-            </a:r>
-          </a:p>
-          <a:p>
-            <a:pPr algn="ctr"/>
-            <a:r>
-              <a:rPr lang="en-GB" sz="3400" dirty="0" smtClean="0">
-                <a:latin typeface="Arial Black" pitchFamily="34" charset="0"/>
-              </a:rPr>
-              <a:t>Customer ratings analysis and insights</a:t>
-            </a:r>
-          </a:p>
-          <a:p>
-            <a:endParaRPr lang="en-GB" sz="1000" dirty="0" smtClean="0">
+              <a:t>Predictive Model Analysis</a:t>
+            </a:r>
+            <a:endParaRPr lang="en-GB" sz="1800" dirty="0" smtClean="0">
               <a:latin typeface="Arial Black" pitchFamily="34" charset="0"/>
             </a:endParaRPr>
           </a:p>
           <a:p>
-            <a:endParaRPr lang="en-GB" sz="1000" dirty="0" smtClean="0">
+            <a:endParaRPr lang="en-GB" sz="1800" dirty="0" smtClean="0">
               <a:latin typeface="Arial Black" pitchFamily="34" charset="0"/>
             </a:endParaRPr>
           </a:p>
           <a:p>
             <a:pPr algn="ctr"/>
             <a:r>
-              <a:rPr lang="en-GB" sz="2800" dirty="0" smtClean="0">
+              <a:rPr lang="en-GB" sz="1800" dirty="0" smtClean="0">
                 <a:latin typeface="Arial Black" pitchFamily="34" charset="0"/>
               </a:rPr>
               <a:t>23-January-2023</a:t>
             </a:r>
-          </a:p>
-          <a:p>
-            <a:endParaRPr lang="en-GB" dirty="0"/>
+            <a:endParaRPr lang="en-GB" sz="1800" dirty="0" smtClean="0">
+              <a:latin typeface="Arial Black" pitchFamily="34" charset="0"/>
+            </a:endParaRPr>
+          </a:p>
+          <a:p>
+            <a:endParaRPr lang="en-GB" sz="1800" dirty="0"/>
           </a:p>
         </p:txBody>
       </p:sp>
@@ -3615,7 +3613,7 @@
         </p:blipFill>
         <p:spPr>
           <a:xfrm>
-            <a:off x="1441622" y="799071"/>
+            <a:off x="1522110" y="593048"/>
             <a:ext cx="9127524" cy="2657611"/>
           </a:xfrm>
           <a:prstGeom prst="rect">
@@ -3634,7 +3632,7 @@
     </p:spTree>
     <p:extLst>
       <p:ext uri="{BB962C8B-B14F-4D97-AF65-F5344CB8AC3E}">
-        <p14:creationId xmlns="" xmlns:p14="http://schemas.microsoft.com/office/powerpoint/2010/main" val="1492306933"/>
+        <p14:creationId xmlns:p14="http://schemas.microsoft.com/office/powerpoint/2010/main" xmlns="" val="1492306933"/>
       </p:ext>
     </p:extLst>
   </p:cSld>
@@ -3666,7 +3664,7 @@
           <p:cNvPr id="2" name="Title 1">
             <a:extLst>
               <a:ext uri="{FF2B5EF4-FFF2-40B4-BE49-F238E27FC236}">
-                <a16:creationId xmlns="" xmlns:a16="http://schemas.microsoft.com/office/drawing/2014/main" id="{7BDADD12-D653-7463-3EAD-70846DE1F2CC}"/>
+                <a16:creationId xmlns:a16="http://schemas.microsoft.com/office/drawing/2014/main" xmlns="" id="{7BDADD12-D653-7463-3EAD-70846DE1F2CC}"/>
               </a:ext>
             </a:extLst>
           </p:cNvPr>
@@ -3680,20 +3678,20 @@
         <p:spPr>
           <a:xfrm>
             <a:off x="406400" y="263612"/>
-            <a:ext cx="11582400" cy="617838"/>
+            <a:ext cx="11582400" cy="535458"/>
           </a:xfrm>
         </p:spPr>
         <p:txBody>
           <a:bodyPr>
-            <a:normAutofit fontScale="90000"/>
+            <a:normAutofit/>
           </a:bodyPr>
           <a:lstStyle/>
           <a:p>
             <a:r>
-              <a:rPr lang="en-GB" dirty="0" smtClean="0"/>
-              <a:t>Key findings</a:t>
-            </a:r>
-            <a:endParaRPr lang="en-GB" dirty="0"/>
+              <a:rPr lang="en-GB" sz="2400" dirty="0" smtClean="0"/>
+              <a:t>Modelling prediction</a:t>
+            </a:r>
+            <a:endParaRPr lang="en-GB" sz="2400" dirty="0"/>
           </a:p>
         </p:txBody>
       </p:sp>
@@ -3705,8 +3703,8 @@
         </p:nvSpPr>
         <p:spPr>
           <a:xfrm>
-            <a:off x="453082" y="1178010"/>
-            <a:ext cx="2932670" cy="823783"/>
+            <a:off x="181233" y="1186248"/>
+            <a:ext cx="2545491" cy="823783"/>
           </a:xfrm>
           <a:prstGeom prst="rect">
             <a:avLst/>
@@ -3790,7 +3788,7 @@
                   </a:outerShdw>
                 </a:effectLst>
               </a:rPr>
-              <a:t>Average Rating </a:t>
+              <a:t>Recall Rate</a:t>
             </a:r>
           </a:p>
           <a:p>
@@ -3824,7 +3822,7 @@
                   </a:outerShdw>
                 </a:effectLst>
               </a:rPr>
-              <a:t>4.83/10</a:t>
+              <a:t>62%</a:t>
             </a:r>
             <a:endParaRPr lang="en-US" dirty="0">
               <a:ln>
@@ -3865,8 +3863,8 @@
         </p:nvSpPr>
         <p:spPr>
           <a:xfrm>
-            <a:off x="3472251" y="1173883"/>
-            <a:ext cx="2932670" cy="823783"/>
+            <a:off x="2912078" y="1165646"/>
+            <a:ext cx="2545491" cy="823783"/>
           </a:xfrm>
           <a:prstGeom prst="rect">
             <a:avLst/>
@@ -3950,7 +3948,7 @@
                   </a:outerShdw>
                 </a:effectLst>
               </a:rPr>
-              <a:t>Total Country reviewed</a:t>
+              <a:t>Precision score</a:t>
             </a:r>
           </a:p>
           <a:p>
@@ -3984,72 +3982,36 @@
                   </a:outerShdw>
                 </a:effectLst>
               </a:rPr>
-              <a:t>70</a:t>
-            </a:r>
-          </a:p>
-        </p:txBody>
-      </p:sp>
-      <p:sp>
-        <p:nvSpPr>
-          <p:cNvPr id="9" name="5-Point Star 8"/>
-          <p:cNvSpPr/>
-          <p:nvPr/>
-        </p:nvSpPr>
-        <p:spPr>
-          <a:xfrm>
-            <a:off x="1210963" y="1622853"/>
-            <a:ext cx="255373" cy="214184"/>
-          </a:xfrm>
-          <a:prstGeom prst="star5">
-            <a:avLst/>
-          </a:prstGeom>
-          <a:solidFill>
-            <a:schemeClr val="bg2">
-              <a:lumMod val="50000"/>
-            </a:schemeClr>
-          </a:solidFill>
-          <a:ln>
-            <a:noFill/>
-          </a:ln>
-          <a:effectLst>
-            <a:outerShdw blurRad="44450" dist="27940" dir="5400000" algn="ctr">
-              <a:srgbClr val="000000">
-                <a:alpha val="32000"/>
-              </a:srgbClr>
-            </a:outerShdw>
-          </a:effectLst>
-          <a:scene3d>
-            <a:camera prst="orthographicFront">
-              <a:rot lat="0" lon="0" rev="0"/>
-            </a:camera>
-            <a:lightRig rig="balanced" dir="t">
-              <a:rot lat="0" lon="0" rev="8700000"/>
-            </a:lightRig>
-          </a:scene3d>
-          <a:sp3d>
-            <a:bevelT w="190500" h="38100"/>
-          </a:sp3d>
-        </p:spPr>
-        <p:style>
-          <a:lnRef idx="1">
-            <a:schemeClr val="accent1"/>
-          </a:lnRef>
-          <a:fillRef idx="2">
-            <a:schemeClr val="accent1"/>
-          </a:fillRef>
-          <a:effectRef idx="1">
-            <a:schemeClr val="accent1"/>
-          </a:effectRef>
-          <a:fontRef idx="minor">
-            <a:schemeClr val="dk1"/>
-          </a:fontRef>
-        </p:style>
-        <p:txBody>
-          <a:bodyPr rtlCol="0" anchor="ctr"/>
-          <a:lstStyle/>
-          <a:p>
-            <a:pPr algn="ctr"/>
-            <a:endParaRPr lang="en-US"/>
+              <a:t>61%</a:t>
+            </a:r>
+            <a:endParaRPr lang="en-US" dirty="0" smtClean="0">
+              <a:ln>
+                <a:solidFill>
+                  <a:schemeClr val="tx1">
+                    <a:lumMod val="50000"/>
+                    <a:lumOff val="50000"/>
+                  </a:schemeClr>
+                </a:solidFill>
+              </a:ln>
+              <a:solidFill>
+                <a:schemeClr val="tx2">
+                  <a:lumMod val="50000"/>
+                </a:schemeClr>
+              </a:solidFill>
+              <a:effectLst>
+                <a:glow rad="228600">
+                  <a:schemeClr val="accent6">
+                    <a:satMod val="175000"/>
+                    <a:alpha val="40000"/>
+                  </a:schemeClr>
+                </a:glow>
+                <a:outerShdw blurRad="50800" dist="38100" dir="5400000" algn="t" rotWithShape="0">
+                  <a:prstClr val="black">
+                    <a:alpha val="40000"/>
+                  </a:prstClr>
+                </a:outerShdw>
+              </a:effectLst>
+            </a:endParaRPr>
           </a:p>
         </p:txBody>
       </p:sp>
@@ -4061,8 +4023,8 @@
         </p:nvSpPr>
         <p:spPr>
           <a:xfrm>
-            <a:off x="6491417" y="1178002"/>
-            <a:ext cx="2932670" cy="823783"/>
+            <a:off x="5626444" y="1153289"/>
+            <a:ext cx="2545491" cy="823783"/>
           </a:xfrm>
           <a:prstGeom prst="rect">
             <a:avLst/>
@@ -4146,13 +4108,13 @@
                   </a:outerShdw>
                 </a:effectLst>
               </a:rPr>
-              <a:t>Total Review collected</a:t>
+              <a:t>Accuracy Score</a:t>
             </a:r>
           </a:p>
           <a:p>
             <a:pPr algn="ctr"/>
             <a:r>
-              <a:rPr lang="en-US" smtClean="0">
+              <a:rPr lang="en-US" dirty="0" smtClean="0">
                 <a:ln>
                   <a:solidFill>
                     <a:schemeClr val="tx1">
@@ -4180,7 +4142,7 @@
                   </a:outerShdw>
                 </a:effectLst>
               </a:rPr>
-              <a:t>6912</a:t>
+              <a:t>63%</a:t>
             </a:r>
             <a:endParaRPr lang="en-US" dirty="0" smtClean="0">
               <a:ln>
@@ -4213,76 +4175,6 @@
           </a:p>
         </p:txBody>
       </p:sp>
-      <p:pic>
-        <p:nvPicPr>
-          <p:cNvPr id="11" name="Content Placeholder 10" descr="earth.png"/>
-          <p:cNvPicPr>
-            <a:picLocks noGrp="1" noChangeAspect="1"/>
-          </p:cNvPicPr>
-          <p:nvPr>
-            <p:ph idx="1"/>
-          </p:nvPr>
-        </p:nvPicPr>
-        <p:blipFill>
-          <a:blip r:embed="rId2" cstate="print"/>
-          <a:stretch>
-            <a:fillRect/>
-          </a:stretch>
-        </p:blipFill>
-        <p:spPr>
-          <a:xfrm>
-            <a:off x="5114737" y="1606851"/>
-            <a:ext cx="297521" cy="263139"/>
-          </a:xfrm>
-          <a:ln>
-            <a:solidFill>
-              <a:schemeClr val="bg2">
-                <a:lumMod val="90000"/>
-              </a:schemeClr>
-            </a:solidFill>
-          </a:ln>
-        </p:spPr>
-      </p:pic>
-      <p:sp>
-        <p:nvSpPr>
-          <p:cNvPr id="12" name="Oval Callout 11"/>
-          <p:cNvSpPr/>
-          <p:nvPr/>
-        </p:nvSpPr>
-        <p:spPr>
-          <a:xfrm>
-            <a:off x="8287265" y="1639322"/>
-            <a:ext cx="345989" cy="189470"/>
-          </a:xfrm>
-          <a:prstGeom prst="wedgeEllipseCallout">
-            <a:avLst/>
-          </a:prstGeom>
-        </p:spPr>
-        <p:style>
-          <a:lnRef idx="2">
-            <a:schemeClr val="accent1">
-              <a:shade val="50000"/>
-            </a:schemeClr>
-          </a:lnRef>
-          <a:fillRef idx="1">
-            <a:schemeClr val="accent1"/>
-          </a:fillRef>
-          <a:effectRef idx="0">
-            <a:schemeClr val="accent1"/>
-          </a:effectRef>
-          <a:fontRef idx="minor">
-            <a:schemeClr val="lt1"/>
-          </a:fontRef>
-        </p:style>
-        <p:txBody>
-          <a:bodyPr rtlCol="0" anchor="ctr"/>
-          <a:lstStyle/>
-          <a:p>
-            <a:pPr algn="ctr"/>
-            <a:endParaRPr lang="en-US"/>
-          </a:p>
-        </p:txBody>
-      </p:sp>
       <p:sp>
         <p:nvSpPr>
           <p:cNvPr id="13" name="Rectangle 12"/>
@@ -4291,8 +4183,8 @@
         </p:nvSpPr>
         <p:spPr>
           <a:xfrm>
-            <a:off x="424248" y="2145947"/>
-            <a:ext cx="2936789" cy="2220098"/>
+            <a:off x="185352" y="2277752"/>
+            <a:ext cx="2549610" cy="2220098"/>
           </a:xfrm>
           <a:prstGeom prst="rect">
             <a:avLst/>
@@ -4347,6 +4239,197 @@
           <a:lstStyle/>
           <a:p>
             <a:pPr algn="ctr"/>
+            <a:endParaRPr lang="en-GB" dirty="0" smtClean="0">
+              <a:solidFill>
+                <a:schemeClr val="tx1">
+                  <a:lumMod val="75000"/>
+                  <a:lumOff val="25000"/>
+                </a:schemeClr>
+              </a:solidFill>
+            </a:endParaRPr>
+          </a:p>
+          <a:p>
+            <a:pPr algn="ctr"/>
+            <a:endParaRPr lang="en-GB" dirty="0" smtClean="0">
+              <a:solidFill>
+                <a:schemeClr val="tx1">
+                  <a:lumMod val="75000"/>
+                  <a:lumOff val="25000"/>
+                </a:schemeClr>
+              </a:solidFill>
+            </a:endParaRPr>
+          </a:p>
+          <a:p>
+            <a:pPr algn="ctr"/>
+            <a:endParaRPr lang="en-GB" dirty="0" smtClean="0">
+              <a:solidFill>
+                <a:schemeClr val="tx1">
+                  <a:lumMod val="75000"/>
+                  <a:lumOff val="25000"/>
+                </a:schemeClr>
+              </a:solidFill>
+            </a:endParaRPr>
+          </a:p>
+          <a:p>
+            <a:pPr algn="ctr"/>
+            <a:endParaRPr lang="en-GB" dirty="0" smtClean="0">
+              <a:solidFill>
+                <a:schemeClr val="tx1">
+                  <a:lumMod val="75000"/>
+                  <a:lumOff val="25000"/>
+                </a:schemeClr>
+              </a:solidFill>
+            </a:endParaRPr>
+          </a:p>
+          <a:p>
+            <a:pPr algn="ctr"/>
+            <a:endParaRPr lang="en-GB" dirty="0" smtClean="0">
+              <a:solidFill>
+                <a:schemeClr val="tx1">
+                  <a:lumMod val="75000"/>
+                  <a:lumOff val="25000"/>
+                </a:schemeClr>
+              </a:solidFill>
+            </a:endParaRPr>
+          </a:p>
+          <a:p>
+            <a:pPr algn="ctr"/>
+            <a:r>
+              <a:rPr lang="en-GB" dirty="0" smtClean="0">
+                <a:ln>
+                  <a:solidFill>
+                    <a:schemeClr val="tx1"/>
+                  </a:solidFill>
+                </a:ln>
+                <a:solidFill>
+                  <a:schemeClr val="accent1">
+                    <a:lumMod val="75000"/>
+                  </a:schemeClr>
+                </a:solidFill>
+              </a:rPr>
+              <a:t>Chance </a:t>
+            </a:r>
+            <a:r>
+              <a:rPr lang="en-GB" dirty="0" smtClean="0">
+                <a:ln>
+                  <a:solidFill>
+                    <a:schemeClr val="tx1"/>
+                  </a:solidFill>
+                </a:ln>
+                <a:solidFill>
+                  <a:schemeClr val="accent1">
+                    <a:lumMod val="75000"/>
+                  </a:schemeClr>
+                </a:solidFill>
+              </a:rPr>
+              <a:t>of predicting true successful bookings</a:t>
+            </a:r>
+            <a:r>
+              <a:rPr lang="en-GB" dirty="0" smtClean="0">
+                <a:ln>
+                  <a:solidFill>
+                    <a:schemeClr val="tx1"/>
+                  </a:solidFill>
+                </a:ln>
+                <a:solidFill>
+                  <a:schemeClr val="accent1">
+                    <a:lumMod val="75000"/>
+                  </a:schemeClr>
+                </a:solidFill>
+              </a:rPr>
+              <a:t>.</a:t>
+            </a:r>
+          </a:p>
+          <a:p>
+            <a:pPr algn="ctr"/>
+            <a:r>
+              <a:rPr lang="en-GB" dirty="0" smtClean="0">
+                <a:ln>
+                  <a:solidFill>
+                    <a:schemeClr val="tx1"/>
+                  </a:solidFill>
+                </a:ln>
+                <a:solidFill>
+                  <a:schemeClr val="accent1">
+                    <a:lumMod val="75000"/>
+                  </a:schemeClr>
+                </a:solidFill>
+              </a:rPr>
+              <a:t>66% Chance of predicting true incomplete bookings correctly. </a:t>
+            </a:r>
+            <a:endParaRPr lang="en-GB" sz="1600" dirty="0" smtClean="0">
+              <a:ln>
+                <a:solidFill>
+                  <a:schemeClr val="tx1"/>
+                </a:solidFill>
+              </a:ln>
+              <a:solidFill>
+                <a:schemeClr val="accent1">
+                  <a:lumMod val="75000"/>
+                </a:schemeClr>
+              </a:solidFill>
+            </a:endParaRPr>
+          </a:p>
+          <a:p>
+            <a:pPr algn="ctr"/>
+            <a:endParaRPr lang="en-GB" dirty="0" smtClean="0">
+              <a:solidFill>
+                <a:schemeClr val="tx1">
+                  <a:lumMod val="75000"/>
+                  <a:lumOff val="25000"/>
+                </a:schemeClr>
+              </a:solidFill>
+            </a:endParaRPr>
+          </a:p>
+          <a:p>
+            <a:pPr algn="ctr"/>
+            <a:endParaRPr lang="en-GB" dirty="0" smtClean="0">
+              <a:solidFill>
+                <a:schemeClr val="tx1">
+                  <a:lumMod val="75000"/>
+                  <a:lumOff val="25000"/>
+                </a:schemeClr>
+              </a:solidFill>
+            </a:endParaRPr>
+          </a:p>
+          <a:p>
+            <a:pPr algn="ctr"/>
+            <a:r>
+              <a:rPr lang="en-GB" dirty="0" smtClean="0">
+                <a:solidFill>
+                  <a:schemeClr val="tx1">
+                    <a:lumMod val="75000"/>
+                    <a:lumOff val="25000"/>
+                  </a:schemeClr>
+                </a:solidFill>
+              </a:rPr>
+              <a:t> </a:t>
+            </a:r>
+          </a:p>
+          <a:p>
+            <a:pPr algn="ctr"/>
+            <a:endParaRPr lang="en-GB" sz="1600" dirty="0" smtClean="0">
+              <a:solidFill>
+                <a:schemeClr val="tx1">
+                  <a:lumMod val="75000"/>
+                  <a:lumOff val="25000"/>
+                </a:schemeClr>
+              </a:solidFill>
+            </a:endParaRPr>
+          </a:p>
+          <a:p>
+            <a:pPr algn="ctr"/>
+            <a:endParaRPr lang="en-GB" sz="1600" dirty="0" smtClean="0">
+              <a:solidFill>
+                <a:schemeClr val="tx1">
+                  <a:lumMod val="75000"/>
+                  <a:lumOff val="25000"/>
+                </a:schemeClr>
+              </a:solidFill>
+            </a:endParaRPr>
+          </a:p>
+          <a:p>
+            <a:pPr algn="ctr"/>
             <a:endParaRPr lang="en-US" dirty="0">
               <a:ln>
                 <a:solidFill>
@@ -4378,38 +4461,6 @@
           </a:p>
         </p:txBody>
       </p:sp>
-      <p:pic>
-        <p:nvPicPr>
-          <p:cNvPr id="14" name="Picture 13" descr="download.png"/>
-          <p:cNvPicPr>
-            <a:picLocks noChangeAspect="1"/>
-          </p:cNvPicPr>
-          <p:nvPr/>
-        </p:nvPicPr>
-        <p:blipFill>
-          <a:blip r:embed="rId3" cstate="print"/>
-          <a:stretch>
-            <a:fillRect/>
-          </a:stretch>
-        </p:blipFill>
-        <p:spPr>
-          <a:xfrm>
-            <a:off x="507818" y="2244647"/>
-            <a:ext cx="2729653" cy="1964890"/>
-          </a:xfrm>
-          <a:prstGeom prst="rect">
-            <a:avLst/>
-          </a:prstGeom>
-          <a:ln>
-            <a:solidFill>
-              <a:schemeClr val="accent1">
-                <a:lumMod val="75000"/>
-              </a:schemeClr>
-            </a:solidFill>
-          </a:ln>
-          <a:effectLst/>
-        </p:spPr>
-      </p:pic>
       <p:sp>
         <p:nvSpPr>
           <p:cNvPr id="15" name="Rectangle 14"/>
@@ -4418,8 +4469,8 @@
         </p:nvSpPr>
         <p:spPr>
           <a:xfrm>
-            <a:off x="3484605" y="2141828"/>
-            <a:ext cx="2936789" cy="2232455"/>
+            <a:off x="2883244" y="2281872"/>
+            <a:ext cx="2549610" cy="2232455"/>
           </a:xfrm>
           <a:prstGeom prst="rect">
             <a:avLst/>
@@ -4474,6 +4525,24 @@
           <a:lstStyle/>
           <a:p>
             <a:pPr algn="ctr"/>
+            <a:r>
+              <a:rPr lang="en-GB" dirty="0" smtClean="0">
+                <a:ln>
+                  <a:solidFill>
+                    <a:schemeClr val="tx1"/>
+                  </a:solidFill>
+                </a:ln>
+                <a:solidFill>
+                  <a:schemeClr val="accent1">
+                    <a:lumMod val="75000"/>
+                  </a:schemeClr>
+                </a:solidFill>
+              </a:rPr>
+              <a:t>Will be predicted as actually completed bookings out of all successfully completed bookings. </a:t>
+            </a:r>
+          </a:p>
+          <a:p>
+            <a:pPr algn="ctr"/>
             <a:endParaRPr lang="en-US" dirty="0">
               <a:ln>
                 <a:solidFill>
@@ -4513,8 +4582,8 @@
         </p:nvSpPr>
         <p:spPr>
           <a:xfrm>
-            <a:off x="6528486" y="2137710"/>
-            <a:ext cx="2936789" cy="2232455"/>
+            <a:off x="5581136" y="2277753"/>
+            <a:ext cx="2549610" cy="2232455"/>
           </a:xfrm>
           <a:prstGeom prst="rect">
             <a:avLst/>
@@ -4569,7 +4638,216 @@
           <a:lstStyle/>
           <a:p>
             <a:pPr algn="ctr"/>
+            <a:r>
+              <a:rPr lang="en-GB" dirty="0" smtClean="0">
+                <a:ln>
+                  <a:solidFill>
+                    <a:schemeClr val="tx1"/>
+                  </a:solidFill>
+                </a:ln>
+                <a:solidFill>
+                  <a:schemeClr val="accent1">
+                    <a:lumMod val="75000"/>
+                  </a:schemeClr>
+                </a:solidFill>
+              </a:rPr>
+              <a:t>Accuracy of the model predicting successful or incomplete booking</a:t>
+            </a:r>
             <a:endParaRPr lang="en-US" dirty="0">
+              <a:ln>
+                <a:solidFill>
+                  <a:schemeClr val="tx1"/>
+                </a:solidFill>
+              </a:ln>
+              <a:solidFill>
+                <a:schemeClr val="accent1">
+                  <a:lumMod val="75000"/>
+                </a:schemeClr>
+              </a:solidFill>
+            </a:endParaRPr>
+          </a:p>
+        </p:txBody>
+      </p:sp>
+      <p:sp>
+        <p:nvSpPr>
+          <p:cNvPr id="24" name="Down Arrow 23"/>
+          <p:cNvSpPr/>
+          <p:nvPr/>
+        </p:nvSpPr>
+        <p:spPr>
+          <a:xfrm>
+            <a:off x="6796216" y="1869990"/>
+            <a:ext cx="123568" cy="510745"/>
+          </a:xfrm>
+          <a:prstGeom prst="downArrow">
+            <a:avLst/>
+          </a:prstGeom>
+        </p:spPr>
+        <p:style>
+          <a:lnRef idx="2">
+            <a:schemeClr val="accent1">
+              <a:shade val="50000"/>
+            </a:schemeClr>
+          </a:lnRef>
+          <a:fillRef idx="1">
+            <a:schemeClr val="accent1"/>
+          </a:fillRef>
+          <a:effectRef idx="0">
+            <a:schemeClr val="accent1"/>
+          </a:effectRef>
+          <a:fontRef idx="minor">
+            <a:schemeClr val="lt1"/>
+          </a:fontRef>
+        </p:style>
+        <p:txBody>
+          <a:bodyPr rtlCol="0" anchor="ctr"/>
+          <a:lstStyle/>
+          <a:p>
+            <a:pPr algn="ctr"/>
+            <a:endParaRPr lang="en-US"/>
+          </a:p>
+        </p:txBody>
+      </p:sp>
+      <p:sp>
+        <p:nvSpPr>
+          <p:cNvPr id="25" name="Down Arrow 24"/>
+          <p:cNvSpPr/>
+          <p:nvPr/>
+        </p:nvSpPr>
+        <p:spPr>
+          <a:xfrm>
+            <a:off x="4073610" y="1861750"/>
+            <a:ext cx="127687" cy="490151"/>
+          </a:xfrm>
+          <a:prstGeom prst="downArrow">
+            <a:avLst/>
+          </a:prstGeom>
+        </p:spPr>
+        <p:style>
+          <a:lnRef idx="2">
+            <a:schemeClr val="accent1">
+              <a:shade val="50000"/>
+            </a:schemeClr>
+          </a:lnRef>
+          <a:fillRef idx="1">
+            <a:schemeClr val="accent1"/>
+          </a:fillRef>
+          <a:effectRef idx="0">
+            <a:schemeClr val="accent1"/>
+          </a:effectRef>
+          <a:fontRef idx="minor">
+            <a:schemeClr val="lt1"/>
+          </a:fontRef>
+        </p:style>
+        <p:txBody>
+          <a:bodyPr rtlCol="0" anchor="ctr"/>
+          <a:lstStyle/>
+          <a:p>
+            <a:pPr algn="ctr"/>
+            <a:endParaRPr lang="en-US"/>
+          </a:p>
+        </p:txBody>
+      </p:sp>
+      <p:sp>
+        <p:nvSpPr>
+          <p:cNvPr id="26" name="Down Arrow 25"/>
+          <p:cNvSpPr/>
+          <p:nvPr/>
+        </p:nvSpPr>
+        <p:spPr>
+          <a:xfrm>
+            <a:off x="1371599" y="1849394"/>
+            <a:ext cx="111212" cy="457200"/>
+          </a:xfrm>
+          <a:prstGeom prst="downArrow">
+            <a:avLst/>
+          </a:prstGeom>
+        </p:spPr>
+        <p:style>
+          <a:lnRef idx="2">
+            <a:schemeClr val="accent1">
+              <a:shade val="50000"/>
+            </a:schemeClr>
+          </a:lnRef>
+          <a:fillRef idx="1">
+            <a:schemeClr val="accent1"/>
+          </a:fillRef>
+          <a:effectRef idx="0">
+            <a:schemeClr val="accent1"/>
+          </a:effectRef>
+          <a:fontRef idx="minor">
+            <a:schemeClr val="lt1"/>
+          </a:fontRef>
+        </p:style>
+        <p:txBody>
+          <a:bodyPr rtlCol="0" anchor="ctr"/>
+          <a:lstStyle/>
+          <a:p>
+            <a:pPr algn="ctr"/>
+            <a:endParaRPr lang="en-US"/>
+          </a:p>
+        </p:txBody>
+      </p:sp>
+      <p:sp>
+        <p:nvSpPr>
+          <p:cNvPr id="27" name="Rectangle 26"/>
+          <p:cNvSpPr/>
+          <p:nvPr/>
+        </p:nvSpPr>
+        <p:spPr>
+          <a:xfrm>
+            <a:off x="8296712" y="1166071"/>
+            <a:ext cx="3779958" cy="5135876"/>
+          </a:xfrm>
+          <a:prstGeom prst="rect">
+            <a:avLst/>
+          </a:prstGeom>
+          <a:solidFill>
+            <a:schemeClr val="bg2">
+              <a:lumMod val="90000"/>
+            </a:schemeClr>
+          </a:solidFill>
+          <a:ln>
+            <a:noFill/>
+          </a:ln>
+          <a:effectLst/>
+          <a:scene3d>
+            <a:camera prst="orthographicFront">
+              <a:rot lat="0" lon="0" rev="0"/>
+            </a:camera>
+            <a:lightRig rig="soft" dir="t">
+              <a:rot lat="0" lon="0" rev="0"/>
+            </a:lightRig>
+          </a:scene3d>
+          <a:sp3d contourW="44450" prstMaterial="matte">
+            <a:bevelT w="63500" h="63500" prst="artDeco"/>
+            <a:contourClr>
+              <a:srgbClr val="FFFFFF"/>
+            </a:contourClr>
+          </a:sp3d>
+        </p:spPr>
+        <p:style>
+          <a:lnRef idx="2">
+            <a:schemeClr val="accent2">
+              <a:shade val="50000"/>
+            </a:schemeClr>
+          </a:lnRef>
+          <a:fillRef idx="1">
+            <a:schemeClr val="accent2"/>
+          </a:fillRef>
+          <a:effectRef idx="0">
+            <a:schemeClr val="accent2"/>
+          </a:effectRef>
+          <a:fontRef idx="minor">
+            <a:schemeClr val="lt1"/>
+          </a:fontRef>
+        </p:style>
+        <p:txBody>
+          <a:bodyPr rtlCol="0" anchor="ctr"/>
+          <a:lstStyle/>
+          <a:p>
+            <a:pPr algn="ctr"/>
+            <a:endParaRPr lang="en-US" dirty="0" smtClean="0">
               <a:ln>
                 <a:solidFill>
                   <a:schemeClr val="tx1">
@@ -4602,72 +4880,40 @@
       </p:sp>
       <p:pic>
         <p:nvPicPr>
-          <p:cNvPr id="18" name="Picture 17" descr="rating counts.png"/>
+          <p:cNvPr id="28" name="Picture 27" descr="download.png"/>
           <p:cNvPicPr>
             <a:picLocks noChangeAspect="1"/>
           </p:cNvPicPr>
           <p:nvPr/>
         </p:nvPicPr>
         <p:blipFill>
-          <a:blip r:embed="rId4" cstate="print"/>
+          <a:blip r:embed="rId2" cstate="print"/>
           <a:stretch>
             <a:fillRect/>
           </a:stretch>
         </p:blipFill>
         <p:spPr>
           <a:xfrm>
-            <a:off x="3608173" y="2222644"/>
-            <a:ext cx="2702010" cy="2037259"/>
+            <a:off x="8386119" y="1271802"/>
+            <a:ext cx="3608173" cy="4898339"/>
           </a:xfrm>
           <a:prstGeom prst="rect">
             <a:avLst/>
           </a:prstGeom>
         </p:spPr>
       </p:pic>
-      <p:pic>
-        <p:nvPicPr>
-          <p:cNvPr id="16" name="Picture 15" descr="worcloud.png"/>
-          <p:cNvPicPr>
-            <a:picLocks noChangeAspect="1"/>
-          </p:cNvPicPr>
+      <p:sp>
+        <p:nvSpPr>
+          <p:cNvPr id="29" name="Rounded Rectangle 28"/>
+          <p:cNvSpPr/>
           <p:nvPr/>
-        </p:nvPicPr>
-        <p:blipFill>
-          <a:blip r:embed="rId5" cstate="print"/>
-          <a:stretch>
-            <a:fillRect/>
-          </a:stretch>
-        </p:blipFill>
+        </p:nvSpPr>
         <p:spPr>
           <a:xfrm>
-            <a:off x="6612961" y="2230387"/>
-            <a:ext cx="2755292" cy="2032686"/>
+            <a:off x="8311976" y="6351372"/>
+            <a:ext cx="3756456" cy="424249"/>
           </a:xfrm>
-          <a:prstGeom prst="rect">
-            <a:avLst/>
-          </a:prstGeom>
-          <a:ln>
-            <a:solidFill>
-              <a:schemeClr val="accent1">
-                <a:lumMod val="75000"/>
-              </a:schemeClr>
-            </a:solidFill>
-          </a:ln>
-          <a:effectLst/>
-        </p:spPr>
-      </p:pic>
-      <p:sp>
-        <p:nvSpPr>
-          <p:cNvPr id="19" name="Rectangle 18"/>
-          <p:cNvSpPr/>
-          <p:nvPr/>
-        </p:nvSpPr>
-        <p:spPr>
-          <a:xfrm>
-            <a:off x="419220" y="4473147"/>
-            <a:ext cx="9029579" cy="2273642"/>
-          </a:xfrm>
-          <a:prstGeom prst="rect">
+          <a:prstGeom prst="roundRect">
             <a:avLst/>
           </a:prstGeom>
           <a:solidFill>
@@ -4682,6 +4928,7 @@
             <a:outerShdw blurRad="107950" dist="12700" dir="5400000" algn="ctr">
               <a:srgbClr val="000000"/>
             </a:outerShdw>
+            <a:reflection blurRad="6350" stA="50000" endA="300" endPos="55500" dist="50800" dir="5400000" sy="-100000" algn="bl" rotWithShape="0"/>
           </a:effectLst>
           <a:scene3d>
             <a:camera prst="orthographicFront">
@@ -4719,71 +4966,60 @@
           <a:lstStyle/>
           <a:p>
             <a:pPr algn="ctr"/>
-            <a:endParaRPr lang="en-US" dirty="0">
+            <a:endParaRPr lang="en-GB" sz="1200" dirty="0" smtClean="0">
+              <a:solidFill>
+                <a:schemeClr val="tx1">
+                  <a:lumMod val="75000"/>
+                  <a:lumOff val="25000"/>
+                </a:schemeClr>
+              </a:solidFill>
+            </a:endParaRPr>
+          </a:p>
+          <a:p>
+            <a:pPr algn="ctr"/>
+            <a:r>
+              <a:rPr lang="en-GB" sz="1200" dirty="0" smtClean="0">
+                <a:ln>
+                  <a:solidFill>
+                    <a:schemeClr val="tx1"/>
+                  </a:solidFill>
+                </a:ln>
+                <a:solidFill>
+                  <a:schemeClr val="accent1">
+                    <a:lumMod val="75000"/>
+                  </a:schemeClr>
+                </a:solidFill>
+              </a:rPr>
+              <a:t>Top features that can drive successful flight bookings.</a:t>
+            </a:r>
+          </a:p>
+          <a:p>
+            <a:pPr algn="ctr"/>
+            <a:endParaRPr lang="en-US" sz="1200" dirty="0" smtClean="0">
               <a:ln>
                 <a:solidFill>
-                  <a:schemeClr val="tx1">
-                    <a:lumMod val="50000"/>
-                    <a:lumOff val="50000"/>
-                  </a:schemeClr>
+                  <a:schemeClr val="tx1"/>
                 </a:solidFill>
               </a:ln>
               <a:solidFill>
-                <a:schemeClr val="tx2">
-                  <a:lumMod val="50000"/>
+                <a:schemeClr val="accent1">
+                  <a:lumMod val="75000"/>
                 </a:schemeClr>
               </a:solidFill>
-              <a:effectLst>
-                <a:glow rad="228600">
-                  <a:schemeClr val="accent6">
-                    <a:satMod val="175000"/>
-                    <a:alpha val="40000"/>
-                  </a:schemeClr>
-                </a:glow>
-                <a:outerShdw blurRad="50800" dist="38100" dir="5400000" algn="t" rotWithShape="0">
-                  <a:prstClr val="black">
-                    <a:alpha val="40000"/>
-                  </a:prstClr>
-                </a:outerShdw>
-              </a:effectLst>
             </a:endParaRPr>
           </a:p>
         </p:txBody>
       </p:sp>
-      <p:pic>
-        <p:nvPicPr>
-          <p:cNvPr id="20" name="Picture 19" descr="keywords.png"/>
-          <p:cNvPicPr>
-            <a:picLocks noChangeAspect="1"/>
-          </p:cNvPicPr>
+      <p:sp>
+        <p:nvSpPr>
+          <p:cNvPr id="30" name="Rectangle 29"/>
+          <p:cNvSpPr/>
           <p:nvPr/>
-        </p:nvPicPr>
-        <p:blipFill>
-          <a:blip r:embed="rId6" cstate="print"/>
-          <a:stretch>
-            <a:fillRect/>
-          </a:stretch>
-        </p:blipFill>
+        </p:nvSpPr>
         <p:spPr>
           <a:xfrm>
-            <a:off x="502509" y="4571999"/>
-            <a:ext cx="8847437" cy="2067697"/>
-          </a:xfrm>
-          <a:prstGeom prst="rect">
-            <a:avLst/>
-          </a:prstGeom>
-        </p:spPr>
-      </p:pic>
-      <p:sp>
-        <p:nvSpPr>
-          <p:cNvPr id="21" name="Rectangle 20"/>
-          <p:cNvSpPr/>
-          <p:nvPr/>
-        </p:nvSpPr>
-        <p:spPr>
-          <a:xfrm>
-            <a:off x="9654746" y="1145050"/>
-            <a:ext cx="2290119" cy="2220098"/>
+            <a:off x="181232" y="4687330"/>
+            <a:ext cx="7933038" cy="1985319"/>
           </a:xfrm>
           <a:prstGeom prst="rect">
             <a:avLst/>
@@ -4796,13 +5032,7 @@
           <a:ln>
             <a:noFill/>
           </a:ln>
-          <a:effectLst>
-            <a:outerShdw blurRad="50800" dist="38100" dir="2700000" algn="tl" rotWithShape="0">
-              <a:prstClr val="black">
-                <a:alpha val="40000"/>
-              </a:prstClr>
-            </a:outerShdw>
-          </a:effectLst>
+          <a:effectLst/>
           <a:scene3d>
             <a:camera prst="orthographicFront">
               <a:rot lat="0" lon="0" rev="0"/>
@@ -4838,69 +5068,114 @@
           <a:bodyPr rtlCol="0" anchor="ctr"/>
           <a:lstStyle/>
           <a:p>
-            <a:endParaRPr lang="en-GB" sz="1000" b="1" dirty="0" smtClean="0">
+            <a:endParaRPr lang="en-GB" dirty="0" smtClean="0">
+              <a:ln>
+                <a:solidFill>
+                  <a:schemeClr val="tx1"/>
+                </a:solidFill>
+              </a:ln>
               <a:solidFill>
-                <a:schemeClr val="tx1"/>
+                <a:schemeClr val="accent1">
+                  <a:lumMod val="75000"/>
+                </a:schemeClr>
               </a:solidFill>
             </a:endParaRPr>
           </a:p>
           <a:p>
-            <a:r>
-              <a:rPr lang="en-GB" sz="1000" b="1" u="sng" dirty="0" smtClean="0">
+            <a:endParaRPr lang="en-GB" dirty="0" smtClean="0">
+              <a:ln>
                 <a:solidFill>
                   <a:schemeClr val="tx1"/>
                 </a:solidFill>
+              </a:ln>
+              <a:solidFill>
+                <a:schemeClr val="accent1">
+                  <a:lumMod val="75000"/>
+                </a:schemeClr>
+              </a:solidFill>
+            </a:endParaRPr>
+          </a:p>
+          <a:p>
+            <a:r>
+              <a:rPr lang="en-GB" dirty="0" smtClean="0">
+                <a:ln>
+                  <a:solidFill>
+                    <a:schemeClr val="tx1"/>
+                  </a:solidFill>
+                </a:ln>
+                <a:solidFill>
+                  <a:schemeClr val="accent1">
+                    <a:lumMod val="75000"/>
+                  </a:schemeClr>
+                </a:solidFill>
               </a:rPr>
-              <a:t>Positive</a:t>
-            </a:r>
-            <a:r>
-              <a:rPr lang="en-GB" sz="1000" b="1" dirty="0" smtClean="0">
-                <a:solidFill>
-                  <a:schemeClr val="tx1"/>
+              <a:t>We are concerned with not predicting the successful bookings correctly. Imbalance dataset drives higher accuracy but it does not accurately predict the successful bookings. </a:t>
+            </a:r>
+            <a:br>
+              <a:rPr lang="en-GB" dirty="0" smtClean="0">
+                <a:ln>
+                  <a:solidFill>
+                    <a:schemeClr val="tx1"/>
+                  </a:solidFill>
+                </a:ln>
+                <a:solidFill>
+                  <a:schemeClr val="accent1">
+                    <a:lumMod val="75000"/>
+                  </a:schemeClr>
                 </a:solidFill>
               </a:rPr>
-              <a:t> </a:t>
-            </a:r>
-            <a:r>
-              <a:rPr lang="en-GB" sz="1000" dirty="0" smtClean="0">
-                <a:solidFill>
-                  <a:schemeClr val="tx1"/>
+            </a:br>
+            <a:r>
+              <a:rPr lang="en-GB" dirty="0" smtClean="0">
+                <a:ln>
+                  <a:solidFill>
+                    <a:schemeClr val="tx1"/>
+                  </a:solidFill>
+                </a:ln>
+                <a:solidFill>
+                  <a:schemeClr val="accent1">
+                    <a:lumMod val="75000"/>
+                  </a:schemeClr>
                 </a:solidFill>
               </a:rPr>
-              <a:t>:</a:t>
-            </a:r>
-          </a:p>
-          <a:p>
-            <a:r>
-              <a:rPr lang="en-GB" sz="1000" dirty="0" smtClean="0">
-                <a:solidFill>
-                  <a:schemeClr val="tx1"/>
+              <a:t/>
+            </a:r>
+            <a:br>
+              <a:rPr lang="en-GB" dirty="0" smtClean="0">
+                <a:ln>
+                  <a:solidFill>
+                    <a:schemeClr val="tx1"/>
+                  </a:solidFill>
+                </a:ln>
+                <a:solidFill>
+                  <a:schemeClr val="accent1">
+                    <a:lumMod val="75000"/>
+                  </a:schemeClr>
                 </a:solidFill>
               </a:rPr>
-              <a:t>Most Positive review is about Cabin crew service and staff, general economy seats. Many customer travelled in Business class.</a:t>
-            </a:r>
-          </a:p>
-          <a:p>
-            <a:r>
-              <a:rPr lang="en-GB" sz="1000" b="1" dirty="0" smtClean="0">
-                <a:solidFill>
-                  <a:srgbClr val="FF0000"/>
+            </a:br>
+            <a:r>
+              <a:rPr lang="en-GB" dirty="0" smtClean="0">
+                <a:ln>
+                  <a:solidFill>
+                    <a:schemeClr val="tx1"/>
+                  </a:solidFill>
+                </a:ln>
+                <a:solidFill>
+                  <a:schemeClr val="accent1">
+                    <a:lumMod val="75000"/>
+                  </a:schemeClr>
                 </a:solidFill>
               </a:rPr>
-              <a:t>Focus Needed on </a:t>
-            </a:r>
-            <a:r>
-              <a:rPr lang="en-GB" sz="1000" dirty="0" smtClean="0">
-                <a:solidFill>
-                  <a:schemeClr val="tx1"/>
-                </a:solidFill>
-              </a:rPr>
-              <a:t>:Economy class service, seats, enhance in-flight entertainment experience and importantly Delays. Enhance the experience of business class, it seems customers want value for money. Improve Customer service on refund requests and process. </a:t>
-            </a:r>
+              <a:t>Dataset was balanced with 8k labelled as incomplete bookings and 7k as complete bookings. </a:t>
+            </a:r>
+          </a:p>
+          <a:p>
+            <a:endParaRPr lang="en-GB" dirty="0" smtClean="0"/>
           </a:p>
           <a:p>
             <a:pPr algn="ctr"/>
-            <a:endParaRPr lang="en-US" dirty="0">
+            <a:endParaRPr lang="en-US" dirty="0" smtClean="0">
               <a:ln>
                 <a:solidFill>
                   <a:schemeClr val="tx1">
@@ -4910,7 +5185,9 @@
                 </a:solidFill>
               </a:ln>
               <a:solidFill>
-                <a:schemeClr val="tx1"/>
+                <a:schemeClr val="tx2">
+                  <a:lumMod val="50000"/>
+                </a:schemeClr>
               </a:solidFill>
               <a:effectLst>
                 <a:glow rad="228600">
@@ -4929,174 +5206,10 @@
           </a:p>
         </p:txBody>
       </p:sp>
-      <p:sp>
-        <p:nvSpPr>
-          <p:cNvPr id="23" name="Rectangle 22"/>
-          <p:cNvSpPr/>
-          <p:nvPr/>
-        </p:nvSpPr>
-        <p:spPr>
-          <a:xfrm>
-            <a:off x="9667100" y="3488757"/>
-            <a:ext cx="2290119" cy="3183891"/>
-          </a:xfrm>
-          <a:prstGeom prst="rect">
-            <a:avLst/>
-          </a:prstGeom>
-          <a:solidFill>
-            <a:schemeClr val="bg2">
-              <a:lumMod val="90000"/>
-            </a:schemeClr>
-          </a:solidFill>
-          <a:ln>
-            <a:noFill/>
-          </a:ln>
-          <a:effectLst>
-            <a:outerShdw blurRad="50800" dist="38100" dir="2700000" algn="tl" rotWithShape="0">
-              <a:prstClr val="black">
-                <a:alpha val="40000"/>
-              </a:prstClr>
-            </a:outerShdw>
-          </a:effectLst>
-          <a:scene3d>
-            <a:camera prst="orthographicFront">
-              <a:rot lat="0" lon="0" rev="0"/>
-            </a:camera>
-            <a:lightRig rig="soft" dir="t">
-              <a:rot lat="0" lon="0" rev="0"/>
-            </a:lightRig>
-          </a:scene3d>
-          <a:sp3d contourW="44450" prstMaterial="matte">
-            <a:bevelT w="63500" h="63500" prst="artDeco"/>
-            <a:contourClr>
-              <a:srgbClr val="FFFFFF"/>
-            </a:contourClr>
-          </a:sp3d>
-        </p:spPr>
-        <p:style>
-          <a:lnRef idx="2">
-            <a:schemeClr val="accent2">
-              <a:shade val="50000"/>
-            </a:schemeClr>
-          </a:lnRef>
-          <a:fillRef idx="1">
-            <a:schemeClr val="accent2"/>
-          </a:fillRef>
-          <a:effectRef idx="0">
-            <a:schemeClr val="accent2"/>
-          </a:effectRef>
-          <a:fontRef idx="minor">
-            <a:schemeClr val="lt1"/>
-          </a:fontRef>
-        </p:style>
-        <p:txBody>
-          <a:bodyPr rtlCol="0" anchor="ctr"/>
-          <a:lstStyle/>
-          <a:p>
-            <a:r>
-              <a:rPr lang="en-GB" sz="1100" b="1" u="sng" dirty="0" smtClean="0">
-                <a:solidFill>
-                  <a:schemeClr val="tx1"/>
-                </a:solidFill>
-              </a:rPr>
-              <a:t>Customer reviews based on ratings(Positive and Negative)</a:t>
-            </a:r>
-          </a:p>
-          <a:p>
-            <a:pPr marL="171450" indent="-171450">
-              <a:buFontTx/>
-              <a:buChar char="-"/>
-            </a:pPr>
-            <a:endParaRPr lang="en-GB" sz="1100" dirty="0" smtClean="0">
-              <a:solidFill>
-                <a:schemeClr val="tx1"/>
-              </a:solidFill>
-            </a:endParaRPr>
-          </a:p>
-          <a:p>
-            <a:pPr marL="171450" indent="-171450">
-              <a:buFontTx/>
-              <a:buChar char="-"/>
-            </a:pPr>
-            <a:r>
-              <a:rPr lang="en-GB" sz="1100" dirty="0" smtClean="0">
-                <a:solidFill>
-                  <a:schemeClr val="tx1"/>
-                </a:solidFill>
-              </a:rPr>
-              <a:t>7-10 ratings wrote about comfortable seats, good in-flight entertainment, decent food quality, on time arrival.</a:t>
-            </a:r>
-          </a:p>
-          <a:p>
-            <a:pPr marL="171450" indent="-171450">
-              <a:buFontTx/>
-              <a:buChar char="-"/>
-            </a:pPr>
-            <a:r>
-              <a:rPr lang="en-GB" sz="1100" dirty="0" smtClean="0">
-                <a:solidFill>
-                  <a:schemeClr val="tx1"/>
-                </a:solidFill>
-              </a:rPr>
-              <a:t>4-6 ratings faced problem with small entertainment screen, long passport check queue, bad business class experience. </a:t>
-            </a:r>
-          </a:p>
-          <a:p>
-            <a:pPr marL="171450" indent="-171450">
-              <a:buFontTx/>
-              <a:buChar char="-"/>
-            </a:pPr>
-            <a:r>
-              <a:rPr lang="en-GB" sz="1100" dirty="0" smtClean="0">
-                <a:solidFill>
-                  <a:schemeClr val="tx1"/>
-                </a:solidFill>
-              </a:rPr>
-              <a:t>1-3 ratings wrote dissatisfaction on congested middle seat and small screen while they liked the seats and the food, refund issue </a:t>
-            </a:r>
-          </a:p>
-          <a:p>
-            <a:endParaRPr lang="en-GB" sz="1100" dirty="0" smtClean="0">
-              <a:solidFill>
-                <a:schemeClr val="tx1"/>
-              </a:solidFill>
-            </a:endParaRPr>
-          </a:p>
-          <a:p>
-            <a:pPr algn="ctr"/>
-            <a:endParaRPr lang="en-US" sz="1100" dirty="0">
-              <a:ln>
-                <a:solidFill>
-                  <a:schemeClr val="tx1">
-                    <a:lumMod val="50000"/>
-                    <a:lumOff val="50000"/>
-                  </a:schemeClr>
-                </a:solidFill>
-              </a:ln>
-              <a:solidFill>
-                <a:schemeClr val="tx1"/>
-              </a:solidFill>
-              <a:effectLst>
-                <a:glow rad="228600">
-                  <a:schemeClr val="accent6">
-                    <a:satMod val="175000"/>
-                    <a:alpha val="40000"/>
-                  </a:schemeClr>
-                </a:glow>
-                <a:outerShdw blurRad="50800" dist="38100" dir="5400000" algn="t" rotWithShape="0">
-                  <a:prstClr val="black">
-                    <a:alpha val="40000"/>
-                  </a:prstClr>
-                </a:outerShdw>
-              </a:effectLst>
-            </a:endParaRPr>
-          </a:p>
-        </p:txBody>
-      </p:sp>
     </p:spTree>
     <p:extLst>
       <p:ext uri="{BB962C8B-B14F-4D97-AF65-F5344CB8AC3E}">
-        <p14:creationId xmlns="" xmlns:p14="http://schemas.microsoft.com/office/powerpoint/2010/main" val="1911081705"/>
+        <p14:creationId xmlns:p14="http://schemas.microsoft.com/office/powerpoint/2010/main" xmlns="" val="1911081705"/>
       </p:ext>
     </p:extLst>
   </p:cSld>
